--- a/DesignSpec.pptx
+++ b/DesignSpec.pptx
@@ -6,11 +6,15 @@
   </p:sldMasterIdLst>
   <p:sldIdLst>
     <p:sldId id="256" r:id="rId2"/>
-    <p:sldId id="257" r:id="rId3"/>
-    <p:sldId id="258" r:id="rId4"/>
-    <p:sldId id="260" r:id="rId5"/>
-    <p:sldId id="259" r:id="rId6"/>
-    <p:sldId id="261" r:id="rId7"/>
+    <p:sldId id="262" r:id="rId3"/>
+    <p:sldId id="257" r:id="rId4"/>
+    <p:sldId id="258" r:id="rId5"/>
+    <p:sldId id="260" r:id="rId6"/>
+    <p:sldId id="259" r:id="rId7"/>
+    <p:sldId id="261" r:id="rId8"/>
+    <p:sldId id="263" r:id="rId9"/>
+    <p:sldId id="264" r:id="rId10"/>
+    <p:sldId id="265" r:id="rId11"/>
   </p:sldIdLst>
   <p:sldSz cx="12192000" cy="6858000"/>
   <p:notesSz cx="6858000" cy="9144000"/>
@@ -243,7 +247,7 @@
           <a:p>
             <a:fld id="{680F3F4E-07B6-AF42-B19D-2E40B6665721}" type="datetimeFigureOut">
               <a:rPr lang="en-US" smtClean="0"/>
-              <a:t>2/7/17</a:t>
+              <a:t>08/02/17</a:t>
             </a:fld>
             <a:endParaRPr lang="en-US"/>
           </a:p>
@@ -413,7 +417,7 @@
           <a:p>
             <a:fld id="{680F3F4E-07B6-AF42-B19D-2E40B6665721}" type="datetimeFigureOut">
               <a:rPr lang="en-US" smtClean="0"/>
-              <a:t>2/7/17</a:t>
+              <a:t>08/02/17</a:t>
             </a:fld>
             <a:endParaRPr lang="en-US"/>
           </a:p>
@@ -593,7 +597,7 @@
           <a:p>
             <a:fld id="{680F3F4E-07B6-AF42-B19D-2E40B6665721}" type="datetimeFigureOut">
               <a:rPr lang="en-US" smtClean="0"/>
-              <a:t>2/7/17</a:t>
+              <a:t>08/02/17</a:t>
             </a:fld>
             <a:endParaRPr lang="en-US"/>
           </a:p>
@@ -763,7 +767,7 @@
           <a:p>
             <a:fld id="{680F3F4E-07B6-AF42-B19D-2E40B6665721}" type="datetimeFigureOut">
               <a:rPr lang="en-US" smtClean="0"/>
-              <a:t>2/7/17</a:t>
+              <a:t>08/02/17</a:t>
             </a:fld>
             <a:endParaRPr lang="en-US"/>
           </a:p>
@@ -1009,7 +1013,7 @@
           <a:p>
             <a:fld id="{680F3F4E-07B6-AF42-B19D-2E40B6665721}" type="datetimeFigureOut">
               <a:rPr lang="en-US" smtClean="0"/>
-              <a:t>2/7/17</a:t>
+              <a:t>08/02/17</a:t>
             </a:fld>
             <a:endParaRPr lang="en-US"/>
           </a:p>
@@ -1241,7 +1245,7 @@
           <a:p>
             <a:fld id="{680F3F4E-07B6-AF42-B19D-2E40B6665721}" type="datetimeFigureOut">
               <a:rPr lang="en-US" smtClean="0"/>
-              <a:t>2/7/17</a:t>
+              <a:t>08/02/17</a:t>
             </a:fld>
             <a:endParaRPr lang="en-US"/>
           </a:p>
@@ -1608,7 +1612,7 @@
           <a:p>
             <a:fld id="{680F3F4E-07B6-AF42-B19D-2E40B6665721}" type="datetimeFigureOut">
               <a:rPr lang="en-US" smtClean="0"/>
-              <a:t>2/7/17</a:t>
+              <a:t>08/02/17</a:t>
             </a:fld>
             <a:endParaRPr lang="en-US"/>
           </a:p>
@@ -1726,7 +1730,7 @@
           <a:p>
             <a:fld id="{680F3F4E-07B6-AF42-B19D-2E40B6665721}" type="datetimeFigureOut">
               <a:rPr lang="en-US" smtClean="0"/>
-              <a:t>2/7/17</a:t>
+              <a:t>08/02/17</a:t>
             </a:fld>
             <a:endParaRPr lang="en-US"/>
           </a:p>
@@ -1821,7 +1825,7 @@
           <a:p>
             <a:fld id="{680F3F4E-07B6-AF42-B19D-2E40B6665721}" type="datetimeFigureOut">
               <a:rPr lang="en-US" smtClean="0"/>
-              <a:t>2/7/17</a:t>
+              <a:t>08/02/17</a:t>
             </a:fld>
             <a:endParaRPr lang="en-US"/>
           </a:p>
@@ -2098,7 +2102,7 @@
           <a:p>
             <a:fld id="{680F3F4E-07B6-AF42-B19D-2E40B6665721}" type="datetimeFigureOut">
               <a:rPr lang="en-US" smtClean="0"/>
-              <a:t>2/7/17</a:t>
+              <a:t>08/02/17</a:t>
             </a:fld>
             <a:endParaRPr lang="en-US"/>
           </a:p>
@@ -2351,7 +2355,7 @@
           <a:p>
             <a:fld id="{680F3F4E-07B6-AF42-B19D-2E40B6665721}" type="datetimeFigureOut">
               <a:rPr lang="en-US" smtClean="0"/>
-              <a:t>2/7/17</a:t>
+              <a:t>08/02/17</a:t>
             </a:fld>
             <a:endParaRPr lang="en-US"/>
           </a:p>
@@ -2564,7 +2568,7 @@
           <a:p>
             <a:fld id="{680F3F4E-07B6-AF42-B19D-2E40B6665721}" type="datetimeFigureOut">
               <a:rPr lang="en-US" smtClean="0"/>
-              <a:t>2/7/17</a:t>
+              <a:t>08/02/17</a:t>
             </a:fld>
             <a:endParaRPr lang="en-US"/>
           </a:p>
@@ -2955,6 +2959,17 @@
 <file path=ppt/slides/slide1.xml><?xml version="1.0" encoding="utf-8"?>
 <p:sld xmlns:a="http://schemas.openxmlformats.org/drawingml/2006/main" xmlns:r="http://schemas.openxmlformats.org/officeDocument/2006/relationships" xmlns:p="http://schemas.openxmlformats.org/presentationml/2006/main">
   <p:cSld>
+    <p:bg>
+      <p:bgPr>
+        <a:solidFill>
+          <a:schemeClr val="bg1">
+            <a:lumMod val="85000"/>
+            <a:alpha val="95000"/>
+          </a:schemeClr>
+        </a:solidFill>
+        <a:effectLst/>
+      </p:bgPr>
+    </p:bg>
     <p:spTree>
       <p:nvGrpSpPr>
         <p:cNvPr id="1" name=""/>
@@ -2985,10 +3000,16 @@
           <a:lstStyle/>
           <a:p>
             <a:r>
-              <a:rPr lang="en-US" dirty="0" smtClean="0"/>
+              <a:rPr lang="en-US" dirty="0" smtClean="0">
+                <a:latin typeface="Georgia"/>
+                <a:cs typeface="Georgia"/>
+              </a:rPr>
               <a:t>Six Degrees of Wikipedia</a:t>
             </a:r>
-            <a:endParaRPr lang="en-US" dirty="0"/>
+            <a:endParaRPr lang="en-US" dirty="0">
+              <a:latin typeface="Georgia"/>
+              <a:cs typeface="Georgia"/>
+            </a:endParaRPr>
           </a:p>
         </p:txBody>
       </p:sp>
@@ -3004,11 +3025,16 @@
         </p:nvSpPr>
         <p:spPr/>
         <p:txBody>
-          <a:bodyPr/>
-          <a:lstStyle/>
-          <a:p>
-            <a:r>
-              <a:rPr lang="en-US" dirty="0" smtClean="0"/>
+          <a:bodyPr>
+            <a:normAutofit/>
+          </a:bodyPr>
+          <a:lstStyle/>
+          <a:p>
+            <a:r>
+              <a:rPr lang="en-US" sz="3200" b="1" dirty="0" smtClean="0">
+                <a:latin typeface="Avenir Book"/>
+                <a:cs typeface="Avenir Book"/>
+              </a:rPr>
               <a:t>Design specification </a:t>
             </a:r>
           </a:p>
@@ -3018,6 +3044,85 @@
     <p:extLst>
       <p:ext uri="{BB962C8B-B14F-4D97-AF65-F5344CB8AC3E}">
         <p14:creationId xmlns:p14="http://schemas.microsoft.com/office/powerpoint/2010/main" val="47764820"/>
+      </p:ext>
+    </p:extLst>
+  </p:cSld>
+  <p:clrMapOvr>
+    <a:masterClrMapping/>
+  </p:clrMapOvr>
+  <p:timing>
+    <p:tnLst>
+      <p:par>
+        <p:cTn xmlns:p14="http://schemas.microsoft.com/office/powerpoint/2010/main" id="1" dur="indefinite" restart="never" nodeType="tmRoot"/>
+      </p:par>
+    </p:tnLst>
+  </p:timing>
+</p:sld>
+</file>
+
+<file path=ppt/slides/slide10.xml><?xml version="1.0" encoding="utf-8"?>
+<p:sld xmlns:a="http://schemas.openxmlformats.org/drawingml/2006/main" xmlns:r="http://schemas.openxmlformats.org/officeDocument/2006/relationships" xmlns:p="http://schemas.openxmlformats.org/presentationml/2006/main">
+  <p:cSld>
+    <p:spTree>
+      <p:nvGrpSpPr>
+        <p:cNvPr id="1" name=""/>
+        <p:cNvGrpSpPr/>
+        <p:nvPr/>
+      </p:nvGrpSpPr>
+      <p:grpSpPr>
+        <a:xfrm>
+          <a:off x="0" y="0"/>
+          <a:ext cx="0" cy="0"/>
+          <a:chOff x="0" y="0"/>
+          <a:chExt cx="0" cy="0"/>
+        </a:xfrm>
+      </p:grpSpPr>
+      <p:sp>
+        <p:nvSpPr>
+          <p:cNvPr id="2" name="Title 1"/>
+          <p:cNvSpPr>
+            <a:spLocks noGrp="1"/>
+          </p:cNvSpPr>
+          <p:nvPr>
+            <p:ph type="title"/>
+          </p:nvPr>
+        </p:nvSpPr>
+        <p:spPr/>
+        <p:txBody>
+          <a:bodyPr/>
+          <a:lstStyle/>
+          <a:p>
+            <a:r>
+              <a:rPr lang="en-US" dirty="0" smtClean="0"/>
+              <a:t>Wireframes</a:t>
+            </a:r>
+            <a:endParaRPr lang="en-US" dirty="0"/>
+          </a:p>
+        </p:txBody>
+      </p:sp>
+      <p:sp>
+        <p:nvSpPr>
+          <p:cNvPr id="3" name="Content Placeholder 2"/>
+          <p:cNvSpPr>
+            <a:spLocks noGrp="1"/>
+          </p:cNvSpPr>
+          <p:nvPr>
+            <p:ph idx="1"/>
+          </p:nvPr>
+        </p:nvSpPr>
+        <p:spPr/>
+        <p:txBody>
+          <a:bodyPr/>
+          <a:lstStyle/>
+          <a:p>
+            <a:endParaRPr lang="en-US"/>
+          </a:p>
+        </p:txBody>
+      </p:sp>
+    </p:spTree>
+    <p:extLst>
+      <p:ext uri="{BB962C8B-B14F-4D97-AF65-F5344CB8AC3E}">
+        <p14:creationId xmlns:p14="http://schemas.microsoft.com/office/powerpoint/2010/main" val="1819464797"/>
       </p:ext>
     </p:extLst>
   </p:cSld>
@@ -3061,7 +3166,7 @@
           <a:p>
             <a:r>
               <a:rPr lang="en-US" dirty="0" smtClean="0"/>
-              <a:t>Overview</a:t>
+              <a:t>Team </a:t>
             </a:r>
             <a:endParaRPr lang="en-US" dirty="0"/>
           </a:p>
@@ -3077,123 +3182,66 @@
             <p:ph idx="1"/>
           </p:nvPr>
         </p:nvSpPr>
-        <p:spPr>
-          <a:xfrm>
-            <a:off x="838200" y="1440493"/>
-            <a:ext cx="10515600" cy="4736470"/>
-          </a:xfrm>
-        </p:spPr>
-        <p:txBody>
-          <a:bodyPr>
-            <a:normAutofit/>
-          </a:bodyPr>
-          <a:lstStyle/>
-          <a:p>
-            <a:r>
-              <a:rPr lang="en-US" sz="2000" dirty="0" smtClean="0"/>
-              <a:t>Six degrees of separation is an idea that all things are related within six or fewer steps</a:t>
-            </a:r>
-            <a:r>
-              <a:rPr lang="mr-IN" sz="2000" dirty="0" smtClean="0"/>
-              <a:t>…</a:t>
-            </a:r>
-            <a:r>
-              <a:rPr lang="en-GB" sz="2000" dirty="0"/>
-              <a:t/>
-            </a:r>
-            <a:br>
-              <a:rPr lang="en-GB" sz="2000" dirty="0"/>
-            </a:br>
-            <a:r>
-              <a:rPr lang="en-GB" sz="2000" dirty="0" smtClean="0"/>
-              <a:t>- e.g. “Pizza” --&gt; “1978 FIFA World Cup”</a:t>
-            </a:r>
-            <a:endParaRPr lang="en-US" sz="2000" dirty="0" smtClean="0"/>
-          </a:p>
-          <a:p>
-            <a:r>
-              <a:rPr lang="en-US" sz="2000" dirty="0" smtClean="0"/>
-              <a:t>Player is given a random source article</a:t>
-            </a:r>
-          </a:p>
-          <a:p>
-            <a:r>
-              <a:rPr lang="en-US" sz="2000" dirty="0" smtClean="0"/>
-              <a:t>Must reach a specified destination article</a:t>
-            </a:r>
-          </a:p>
-          <a:p>
-            <a:r>
-              <a:rPr lang="en-US" sz="2000" dirty="0" smtClean="0"/>
-              <a:t>Goal is to do this using the smallest amount of connections</a:t>
-            </a:r>
-          </a:p>
-          <a:p>
-            <a:r>
-              <a:rPr lang="en-US" sz="2000" dirty="0" smtClean="0"/>
-              <a:t>Players are scored globally based on their performance vs. the optimal number of connections</a:t>
-            </a:r>
-            <a:br>
-              <a:rPr lang="en-US" sz="2000" dirty="0" smtClean="0"/>
-            </a:br>
-            <a:r>
-              <a:rPr lang="en-US" sz="2000" dirty="0" smtClean="0"/>
-              <a:t/>
-            </a:r>
-            <a:br>
-              <a:rPr lang="en-US" sz="2000" dirty="0" smtClean="0"/>
-            </a:br>
-            <a:r>
-              <a:rPr lang="en-US" sz="2000" dirty="0" smtClean="0"/>
-              <a:t>What makes the game cool/unique </a:t>
-            </a:r>
-            <a:r>
-              <a:rPr lang="en-US" sz="2000" dirty="0" err="1" smtClean="0"/>
-              <a:t>etc</a:t>
-            </a:r>
-            <a:endParaRPr lang="en-US" sz="2000" dirty="0" smtClean="0"/>
-          </a:p>
-          <a:p>
-            <a:r>
-              <a:rPr lang="en-US" sz="2000" dirty="0" smtClean="0"/>
-              <a:t>An informal/urban legend type game made into a proper online gaming experience!</a:t>
-            </a:r>
-          </a:p>
-          <a:p>
-            <a:r>
-              <a:rPr lang="en-US" sz="2000" dirty="0" smtClean="0"/>
-              <a:t>Streamlined procrastination</a:t>
-            </a:r>
-          </a:p>
-          <a:p>
-            <a:r>
-              <a:rPr lang="en-US" sz="2000" dirty="0" smtClean="0"/>
-              <a:t>Competition </a:t>
-            </a:r>
-            <a:r>
-              <a:rPr lang="mr-IN" sz="2000" dirty="0" smtClean="0"/>
-              <a:t>–</a:t>
-            </a:r>
-            <a:r>
-              <a:rPr lang="en-US" sz="2000" dirty="0" smtClean="0"/>
-              <a:t> compare your performance and general/obscure knowledge with the world</a:t>
-            </a:r>
-          </a:p>
-          <a:p>
-            <a:endParaRPr lang="en-US" sz="2000" dirty="0"/>
+        <p:spPr/>
+        <p:txBody>
+          <a:bodyPr/>
+          <a:lstStyle/>
+          <a:p>
+            <a:pPr marL="0" indent="0">
+              <a:buNone/>
+            </a:pPr>
+            <a:r>
+              <a:rPr lang="en-US" dirty="0" smtClean="0"/>
+              <a:t>Cameron Shanks</a:t>
+            </a:r>
+          </a:p>
+          <a:p>
+            <a:pPr marL="0" indent="0">
+              <a:buNone/>
+            </a:pPr>
+            <a:r>
+              <a:rPr lang="en-US" dirty="0" smtClean="0"/>
+              <a:t>Paul Hall</a:t>
+            </a:r>
+          </a:p>
+          <a:p>
+            <a:pPr marL="0" indent="0">
+              <a:buNone/>
+            </a:pPr>
+            <a:r>
+              <a:rPr lang="en-US" dirty="0" smtClean="0"/>
+              <a:t>Richard Knox</a:t>
+            </a:r>
+          </a:p>
+          <a:p>
+            <a:pPr marL="0" indent="0">
+              <a:buNone/>
+            </a:pPr>
+            <a:r>
+              <a:rPr lang="en-US" dirty="0" smtClean="0"/>
+              <a:t>Michael Georgiev</a:t>
+            </a:r>
+            <a:endParaRPr lang="en-US" dirty="0"/>
           </a:p>
         </p:txBody>
       </p:sp>
     </p:spTree>
     <p:extLst>
       <p:ext uri="{BB962C8B-B14F-4D97-AF65-F5344CB8AC3E}">
-        <p14:creationId xmlns:p14="http://schemas.microsoft.com/office/powerpoint/2010/main" val="851857394"/>
+        <p14:creationId xmlns:p14="http://schemas.microsoft.com/office/powerpoint/2010/main" val="3013415758"/>
       </p:ext>
     </p:extLst>
   </p:cSld>
   <p:clrMapOvr>
     <a:masterClrMapping/>
   </p:clrMapOvr>
+  <p:timing>
+    <p:tnLst>
+      <p:par>
+        <p:cTn xmlns:p14="http://schemas.microsoft.com/office/powerpoint/2010/main" id="1" dur="indefinite" restart="never" nodeType="tmRoot"/>
+      </p:par>
+    </p:tnLst>
+  </p:timing>
 </p:sld>
 </file>
 
@@ -3231,7 +3279,7 @@
           <a:p>
             <a:r>
               <a:rPr lang="en-US" dirty="0" smtClean="0"/>
-              <a:t>User Personas - Chris</a:t>
+              <a:t>Overview</a:t>
             </a:r>
             <a:endParaRPr lang="en-US" dirty="0"/>
           </a:p>
@@ -3247,64 +3295,130 @@
             <p:ph idx="1"/>
           </p:nvPr>
         </p:nvSpPr>
-        <p:spPr/>
-        <p:txBody>
-          <a:bodyPr/>
-          <a:lstStyle/>
-          <a:p>
-            <a:r>
-              <a:rPr lang="en-US" dirty="0" smtClean="0"/>
-              <a:t>Serial procrastinator</a:t>
+        <p:spPr>
+          <a:xfrm>
+            <a:off x="838200" y="1440493"/>
+            <a:ext cx="10515600" cy="4736470"/>
+          </a:xfrm>
+        </p:spPr>
+        <p:txBody>
+          <a:bodyPr>
+            <a:normAutofit/>
+          </a:bodyPr>
+          <a:lstStyle/>
+          <a:p>
+            <a:r>
+              <a:rPr lang="en-US" sz="2000" dirty="0" smtClean="0"/>
+              <a:t>Six degrees of separation is an idea that all things are related within six or fewer steps</a:t>
+            </a:r>
+            <a:r>
+              <a:rPr lang="mr-IN" sz="2000" dirty="0" smtClean="0"/>
+              <a:t>…</a:t>
+            </a:r>
+            <a:r>
+              <a:rPr lang="en-GB" sz="2000" dirty="0"/>
+              <a:t/>
             </a:r>
             <a:br>
-              <a:rPr lang="en-US" dirty="0" smtClean="0"/>
+              <a:rPr lang="en-GB" sz="2000" dirty="0"/>
             </a:br>
             <a:r>
-              <a:rPr lang="en-US" dirty="0" smtClean="0"/>
-              <a:t>- Failing philosophy student, loves wasting time on the internet</a:t>
-            </a:r>
-            <a:r>
-              <a:rPr lang="en-US" dirty="0"/>
+              <a:rPr lang="en-GB" sz="2000" dirty="0" smtClean="0"/>
+              <a:t>- e.g. “Pizza” --&gt; “1978 FIFA World Cup”</a:t>
+            </a:r>
+            <a:endParaRPr lang="en-US" sz="2000" dirty="0" smtClean="0"/>
+          </a:p>
+          <a:p>
+            <a:r>
+              <a:rPr lang="en-US" sz="2000" dirty="0" smtClean="0"/>
+              <a:t>Player is given a random source article</a:t>
+            </a:r>
+          </a:p>
+          <a:p>
+            <a:r>
+              <a:rPr lang="en-US" sz="2000" dirty="0" smtClean="0"/>
+              <a:t>Must reach a specified destination article</a:t>
+            </a:r>
+          </a:p>
+          <a:p>
+            <a:r>
+              <a:rPr lang="en-US" sz="2000" dirty="0" smtClean="0"/>
+              <a:t>Goal is to do this using the smallest amount of connections</a:t>
+            </a:r>
+          </a:p>
+          <a:p>
+            <a:r>
+              <a:rPr lang="en-US" sz="2000" dirty="0" smtClean="0"/>
+              <a:t>Players are scored globally based on their performance vs. the optimal number of connections</a:t>
+            </a:r>
+            <a:br>
+              <a:rPr lang="en-US" sz="2000" dirty="0" smtClean="0"/>
+            </a:br>
+            <a:r>
+              <a:rPr lang="en-US" sz="2000" dirty="0" smtClean="0"/>
               <a:t/>
             </a:r>
             <a:br>
-              <a:rPr lang="en-US" dirty="0"/>
+              <a:rPr lang="en-US" sz="2000" dirty="0" smtClean="0"/>
             </a:br>
             <a:r>
-              <a:rPr lang="en-US" dirty="0" smtClean="0"/>
-              <a:t>- Often randomly looks up random Wikipedia articles</a:t>
-            </a:r>
-            <a:br>
-              <a:rPr lang="en-US" dirty="0" smtClean="0"/>
-            </a:br>
-            <a:r>
-              <a:rPr lang="en-US" dirty="0" smtClean="0"/>
-              <a:t>- Would like some more structure to his procrastination</a:t>
-            </a:r>
-            <a:r>
-              <a:rPr lang="en-US" dirty="0"/>
-              <a:t/>
-            </a:r>
-            <a:br>
-              <a:rPr lang="en-US" dirty="0"/>
-            </a:br>
-            <a:r>
-              <a:rPr lang="en-US" dirty="0" smtClean="0"/>
-              <a:t>- Loves playing time wasting internet games</a:t>
-            </a:r>
+              <a:rPr lang="en-US" sz="2000" dirty="0" smtClean="0"/>
+              <a:t>What makes the game cool/unique </a:t>
+            </a:r>
+            <a:r>
+              <a:rPr lang="en-US" sz="2000" dirty="0" err="1" smtClean="0"/>
+              <a:t>etc</a:t>
+            </a:r>
+            <a:endParaRPr lang="en-US" sz="2000" dirty="0" smtClean="0"/>
+          </a:p>
+          <a:p>
+            <a:r>
+              <a:rPr lang="en-US" sz="2000" dirty="0" smtClean="0"/>
+              <a:t>An informal/urban legend type game made into a proper online gaming experience!</a:t>
+            </a:r>
+          </a:p>
+          <a:p>
+            <a:r>
+              <a:rPr lang="en-US" sz="2000" dirty="0" smtClean="0"/>
+              <a:t>Streamlined procrastination</a:t>
+            </a:r>
+          </a:p>
+          <a:p>
+            <a:r>
+              <a:rPr lang="en-US" sz="2000" dirty="0" smtClean="0"/>
+              <a:t>Competition </a:t>
+            </a:r>
+            <a:r>
+              <a:rPr lang="mr-IN" sz="2000" dirty="0" smtClean="0"/>
+              <a:t>–</a:t>
+            </a:r>
+            <a:r>
+              <a:rPr lang="en-US" sz="2000" dirty="0" smtClean="0"/>
+              <a:t> compare your performance and general/obscure knowledge with the world</a:t>
+            </a:r>
+          </a:p>
+          <a:p>
+            <a:endParaRPr lang="en-US" sz="2000" dirty="0"/>
           </a:p>
         </p:txBody>
       </p:sp>
     </p:spTree>
     <p:extLst>
       <p:ext uri="{BB962C8B-B14F-4D97-AF65-F5344CB8AC3E}">
-        <p14:creationId xmlns:p14="http://schemas.microsoft.com/office/powerpoint/2010/main" val="1295247893"/>
+        <p14:creationId xmlns:p14="http://schemas.microsoft.com/office/powerpoint/2010/main" val="851857394"/>
       </p:ext>
     </p:extLst>
   </p:cSld>
   <p:clrMapOvr>
     <a:masterClrMapping/>
   </p:clrMapOvr>
+  <p:timing>
+    <p:tnLst>
+      <p:par>
+        <p:cTn xmlns:p14="http://schemas.microsoft.com/office/powerpoint/2010/main" id="1" dur="indefinite" restart="never" nodeType="tmRoot"/>
+      </p:par>
+    </p:tnLst>
+  </p:timing>
 </p:sld>
 </file>
 
@@ -3342,7 +3456,7 @@
           <a:p>
             <a:r>
               <a:rPr lang="en-US" dirty="0" smtClean="0"/>
-              <a:t>User Personas - Jo</a:t>
+              <a:t>User Personas - Chris</a:t>
             </a:r>
             <a:endParaRPr lang="en-US" dirty="0"/>
           </a:p>
@@ -3365,70 +3479,64 @@
           <a:p>
             <a:r>
               <a:rPr lang="en-US" dirty="0" smtClean="0"/>
-              <a:t>Keen pub quiz enthusiast</a:t>
+              <a:t>Serial procrastinator</a:t>
             </a:r>
             <a:br>
               <a:rPr lang="en-US" dirty="0" smtClean="0"/>
             </a:br>
             <a:r>
               <a:rPr lang="en-US" dirty="0" smtClean="0"/>
-              <a:t>- Always on the lookout for trivia</a:t>
+              <a:t>- Failing philosophy student, loves wasting time on the internet</a:t>
+            </a:r>
+            <a:r>
+              <a:rPr lang="en-US" dirty="0"/>
+              <a:t/>
+            </a:r>
+            <a:br>
+              <a:rPr lang="en-US" dirty="0"/>
+            </a:br>
+            <a:r>
+              <a:rPr lang="en-US" dirty="0" smtClean="0"/>
+              <a:t>- Often randomly looks up random Wikipedia articles</a:t>
             </a:r>
             <a:br>
               <a:rPr lang="en-US" dirty="0" smtClean="0"/>
             </a:br>
             <a:r>
               <a:rPr lang="en-US" dirty="0" smtClean="0"/>
-              <a:t>- Watches Pointless/Eggheads/</a:t>
-            </a:r>
-            <a:r>
-              <a:rPr lang="en-US" dirty="0" err="1" smtClean="0"/>
-              <a:t>Uni</a:t>
-            </a:r>
+              <a:t>- Would like some more structure to his procrastination</a:t>
+            </a:r>
+            <a:r>
+              <a:rPr lang="en-US" dirty="0"/>
+              <a:t/>
+            </a:r>
+            <a:br>
+              <a:rPr lang="en-US" dirty="0"/>
+            </a:br>
             <a:r>
               <a:rPr lang="en-US" dirty="0" smtClean="0"/>
-              <a:t> Challenge regularly</a:t>
-            </a:r>
-            <a:br>
-              <a:rPr lang="en-US" dirty="0" smtClean="0"/>
-            </a:br>
-            <a:r>
-              <a:rPr lang="en-US" dirty="0" smtClean="0"/>
-              <a:t>- Always testing their knowledge against friends &amp; family</a:t>
-            </a:r>
-            <a:br>
-              <a:rPr lang="en-US" dirty="0" smtClean="0"/>
-            </a:br>
-            <a:r>
-              <a:rPr lang="en-US" dirty="0" smtClean="0"/>
-              <a:t>- Would like to expand their pool of competition!</a:t>
-            </a:r>
-            <a:br>
-              <a:rPr lang="en-US" dirty="0" smtClean="0"/>
-            </a:br>
-            <a:endParaRPr lang="en-US" dirty="0" smtClean="0"/>
-          </a:p>
-          <a:p>
-            <a:endParaRPr lang="en-US" dirty="0" smtClean="0"/>
-          </a:p>
-          <a:p>
-            <a:endParaRPr lang="en-US" dirty="0" smtClean="0"/>
-          </a:p>
-          <a:p>
-            <a:endParaRPr lang="en-US" dirty="0" smtClean="0"/>
+              <a:t>- Loves playing time wasting internet games</a:t>
+            </a:r>
           </a:p>
         </p:txBody>
       </p:sp>
     </p:spTree>
     <p:extLst>
       <p:ext uri="{BB962C8B-B14F-4D97-AF65-F5344CB8AC3E}">
-        <p14:creationId xmlns:p14="http://schemas.microsoft.com/office/powerpoint/2010/main" val="308450947"/>
+        <p14:creationId xmlns:p14="http://schemas.microsoft.com/office/powerpoint/2010/main" val="1295247893"/>
       </p:ext>
     </p:extLst>
   </p:cSld>
   <p:clrMapOvr>
     <a:masterClrMapping/>
   </p:clrMapOvr>
+  <p:timing>
+    <p:tnLst>
+      <p:par>
+        <p:cTn xmlns:p14="http://schemas.microsoft.com/office/powerpoint/2010/main" id="1" dur="indefinite" restart="never" nodeType="tmRoot"/>
+      </p:par>
+    </p:tnLst>
+  </p:timing>
 </p:sld>
 </file>
 
@@ -3466,7 +3574,7 @@
           <a:p>
             <a:r>
               <a:rPr lang="en-US" dirty="0" smtClean="0"/>
-              <a:t>Requirements</a:t>
+              <a:t>User Personas - Jo</a:t>
             </a:r>
             <a:endParaRPr lang="en-US" dirty="0"/>
           </a:p>
@@ -3484,92 +3592,82 @@
         </p:nvSpPr>
         <p:spPr/>
         <p:txBody>
-          <a:bodyPr>
-            <a:normAutofit fontScale="85000" lnSpcReduction="20000"/>
-          </a:bodyPr>
+          <a:bodyPr/>
           <a:lstStyle/>
           <a:p>
             <a:r>
               <a:rPr lang="en-US" dirty="0" smtClean="0"/>
-              <a:t>User </a:t>
-            </a:r>
-            <a:r>
-              <a:rPr lang="en-US" dirty="0"/>
-              <a:t>can log in and register for an account. M</a:t>
-            </a:r>
-          </a:p>
-          <a:p>
-            <a:r>
-              <a:rPr lang="en-US" dirty="0"/>
-              <a:t>Users can be assigned a randomly selected node source and destination. M</a:t>
-            </a:r>
-          </a:p>
-          <a:p>
-            <a:r>
-              <a:rPr lang="en-US" dirty="0"/>
-              <a:t>Users are scored on the path they take. M</a:t>
-            </a:r>
-          </a:p>
-          <a:p>
-            <a:r>
-              <a:rPr lang="en-US" dirty="0"/>
-              <a:t>Users can select different article nodes to traverse the network M</a:t>
-            </a:r>
-          </a:p>
-          <a:p>
-            <a:r>
-              <a:rPr lang="en-US" dirty="0"/>
-              <a:t>Users can play a single player game M</a:t>
-            </a:r>
-          </a:p>
-          <a:p>
-            <a:r>
-              <a:rPr lang="en-US" dirty="0"/>
-              <a:t>Users can see the ideal "route" between articles S</a:t>
-            </a:r>
-          </a:p>
-          <a:p>
-            <a:r>
-              <a:rPr lang="en-US" dirty="0"/>
-              <a:t>Users can see a leaderboard of high scores and other player game statistics. S</a:t>
-            </a:r>
-          </a:p>
-          <a:p>
-            <a:r>
-              <a:rPr lang="en-US" dirty="0"/>
-              <a:t>Users can view their game history. S</a:t>
-            </a:r>
-          </a:p>
-          <a:p>
-            <a:r>
-              <a:rPr lang="en-US" dirty="0"/>
-              <a:t>User can see a visual network representation of their path. C</a:t>
-            </a:r>
-          </a:p>
-          <a:p>
-            <a:r>
-              <a:rPr lang="en-US" dirty="0"/>
-              <a:t>Users can be assigned a predefined "mission" to complete. C</a:t>
-            </a:r>
-          </a:p>
-          <a:p>
-            <a:r>
-              <a:rPr lang="en-US" dirty="0"/>
-              <a:t>Users can join a multiplayer game against other users. W</a:t>
-            </a:r>
+              <a:t>Keen pub quiz enthusiast</a:t>
+            </a:r>
+            <a:br>
+              <a:rPr lang="en-US" dirty="0" smtClean="0"/>
+            </a:br>
+            <a:r>
+              <a:rPr lang="en-US" dirty="0" smtClean="0"/>
+              <a:t>- Always on the lookout for trivia</a:t>
+            </a:r>
+            <a:br>
+              <a:rPr lang="en-US" dirty="0" smtClean="0"/>
+            </a:br>
+            <a:r>
+              <a:rPr lang="en-US" dirty="0" smtClean="0"/>
+              <a:t>- Watches Pointless/Eggheads/</a:t>
+            </a:r>
+            <a:r>
+              <a:rPr lang="en-US" dirty="0" err="1" smtClean="0"/>
+              <a:t>Uni</a:t>
+            </a:r>
+            <a:r>
+              <a:rPr lang="en-US" dirty="0" smtClean="0"/>
+              <a:t> Challenge regularly</a:t>
+            </a:r>
+            <a:br>
+              <a:rPr lang="en-US" dirty="0" smtClean="0"/>
+            </a:br>
+            <a:r>
+              <a:rPr lang="en-US" dirty="0" smtClean="0"/>
+              <a:t>- Always testing their knowledge against friends &amp; family</a:t>
+            </a:r>
+            <a:br>
+              <a:rPr lang="en-US" dirty="0" smtClean="0"/>
+            </a:br>
+            <a:r>
+              <a:rPr lang="en-US" dirty="0" smtClean="0"/>
+              <a:t>- Would like to expand their pool of competition!</a:t>
+            </a:r>
+            <a:br>
+              <a:rPr lang="en-US" dirty="0" smtClean="0"/>
+            </a:br>
+            <a:endParaRPr lang="en-US" dirty="0" smtClean="0"/>
+          </a:p>
+          <a:p>
+            <a:endParaRPr lang="en-US" dirty="0" smtClean="0"/>
+          </a:p>
+          <a:p>
+            <a:endParaRPr lang="en-US" dirty="0" smtClean="0"/>
+          </a:p>
+          <a:p>
+            <a:endParaRPr lang="en-US" dirty="0" smtClean="0"/>
           </a:p>
         </p:txBody>
       </p:sp>
     </p:spTree>
     <p:extLst>
       <p:ext uri="{BB962C8B-B14F-4D97-AF65-F5344CB8AC3E}">
-        <p14:creationId xmlns:p14="http://schemas.microsoft.com/office/powerpoint/2010/main" val="1195932913"/>
+        <p14:creationId xmlns:p14="http://schemas.microsoft.com/office/powerpoint/2010/main" val="308450947"/>
       </p:ext>
     </p:extLst>
   </p:cSld>
   <p:clrMapOvr>
     <a:masterClrMapping/>
   </p:clrMapOvr>
+  <p:timing>
+    <p:tnLst>
+      <p:par>
+        <p:cTn xmlns:p14="http://schemas.microsoft.com/office/powerpoint/2010/main" id="1" dur="indefinite" restart="never" nodeType="tmRoot"/>
+      </p:par>
+    </p:tnLst>
+  </p:timing>
 </p:sld>
 </file>
 
@@ -3607,6 +3705,147 @@
           <a:p>
             <a:r>
               <a:rPr lang="en-US" dirty="0" smtClean="0"/>
+              <a:t>Requirements</a:t>
+            </a:r>
+            <a:endParaRPr lang="en-US" dirty="0"/>
+          </a:p>
+        </p:txBody>
+      </p:sp>
+      <p:sp>
+        <p:nvSpPr>
+          <p:cNvPr id="3" name="Content Placeholder 2"/>
+          <p:cNvSpPr>
+            <a:spLocks noGrp="1"/>
+          </p:cNvSpPr>
+          <p:nvPr>
+            <p:ph idx="1"/>
+          </p:nvPr>
+        </p:nvSpPr>
+        <p:spPr/>
+        <p:txBody>
+          <a:bodyPr>
+            <a:normAutofit fontScale="85000" lnSpcReduction="20000"/>
+          </a:bodyPr>
+          <a:lstStyle/>
+          <a:p>
+            <a:r>
+              <a:rPr lang="en-US" dirty="0" smtClean="0"/>
+              <a:t>User </a:t>
+            </a:r>
+            <a:r>
+              <a:rPr lang="en-US" dirty="0"/>
+              <a:t>can log in and register for an account. M</a:t>
+            </a:r>
+          </a:p>
+          <a:p>
+            <a:r>
+              <a:rPr lang="en-US" dirty="0"/>
+              <a:t>Users can be assigned a randomly selected node source and destination. M</a:t>
+            </a:r>
+          </a:p>
+          <a:p>
+            <a:r>
+              <a:rPr lang="en-US" dirty="0"/>
+              <a:t>Users are scored on the path they take. M</a:t>
+            </a:r>
+          </a:p>
+          <a:p>
+            <a:r>
+              <a:rPr lang="en-US" dirty="0"/>
+              <a:t>Users can select different article nodes to traverse the network M</a:t>
+            </a:r>
+          </a:p>
+          <a:p>
+            <a:r>
+              <a:rPr lang="en-US" dirty="0"/>
+              <a:t>Users can play a single player game M</a:t>
+            </a:r>
+          </a:p>
+          <a:p>
+            <a:r>
+              <a:rPr lang="en-US" dirty="0"/>
+              <a:t>Users can see the ideal "route" between articles S</a:t>
+            </a:r>
+          </a:p>
+          <a:p>
+            <a:r>
+              <a:rPr lang="en-US" dirty="0"/>
+              <a:t>Users can see a leaderboard of high scores and other player game statistics. S</a:t>
+            </a:r>
+          </a:p>
+          <a:p>
+            <a:r>
+              <a:rPr lang="en-US" dirty="0"/>
+              <a:t>Users can view their game history. S</a:t>
+            </a:r>
+          </a:p>
+          <a:p>
+            <a:r>
+              <a:rPr lang="en-US" dirty="0"/>
+              <a:t>User can see a visual network representation of their path. C</a:t>
+            </a:r>
+          </a:p>
+          <a:p>
+            <a:r>
+              <a:rPr lang="en-US" dirty="0"/>
+              <a:t>Users can be assigned a predefined "mission" to complete. C</a:t>
+            </a:r>
+          </a:p>
+          <a:p>
+            <a:r>
+              <a:rPr lang="en-US" dirty="0"/>
+              <a:t>Users can join a multiplayer game against other users. W</a:t>
+            </a:r>
+          </a:p>
+        </p:txBody>
+      </p:sp>
+    </p:spTree>
+    <p:extLst>
+      <p:ext uri="{BB962C8B-B14F-4D97-AF65-F5344CB8AC3E}">
+        <p14:creationId xmlns:p14="http://schemas.microsoft.com/office/powerpoint/2010/main" val="1195932913"/>
+      </p:ext>
+    </p:extLst>
+  </p:cSld>
+  <p:clrMapOvr>
+    <a:masterClrMapping/>
+  </p:clrMapOvr>
+</p:sld>
+</file>
+
+<file path=ppt/slides/slide7.xml><?xml version="1.0" encoding="utf-8"?>
+<p:sld xmlns:a="http://schemas.openxmlformats.org/drawingml/2006/main" xmlns:r="http://schemas.openxmlformats.org/officeDocument/2006/relationships" xmlns:p="http://schemas.openxmlformats.org/presentationml/2006/main">
+  <p:cSld>
+    <p:spTree>
+      <p:nvGrpSpPr>
+        <p:cNvPr id="1" name=""/>
+        <p:cNvGrpSpPr/>
+        <p:nvPr/>
+      </p:nvGrpSpPr>
+      <p:grpSpPr>
+        <a:xfrm>
+          <a:off x="0" y="0"/>
+          <a:ext cx="0" cy="0"/>
+          <a:chOff x="0" y="0"/>
+          <a:chExt cx="0" cy="0"/>
+        </a:xfrm>
+      </p:grpSpPr>
+      <p:sp>
+        <p:nvSpPr>
+          <p:cNvPr id="2" name="Title 1"/>
+          <p:cNvSpPr>
+            <a:spLocks noGrp="1"/>
+          </p:cNvSpPr>
+          <p:nvPr>
+            <p:ph type="title"/>
+          </p:nvPr>
+        </p:nvSpPr>
+        <p:spPr/>
+        <p:txBody>
+          <a:bodyPr/>
+          <a:lstStyle/>
+          <a:p>
+            <a:r>
+              <a:rPr lang="en-US" dirty="0" smtClean="0"/>
               <a:t>High level System Architecture Diagram</a:t>
             </a:r>
             <a:endParaRPr lang="en-US" dirty="0"/>
@@ -3637,7 +3876,7 @@
         </p:blipFill>
         <p:spPr>
           <a:xfrm>
-            <a:off x="1752813" y="1690688"/>
+            <a:off x="2439203" y="1690688"/>
             <a:ext cx="7333563" cy="4351338"/>
           </a:xfrm>
         </p:spPr>
@@ -3646,6 +3885,555 @@
     <p:extLst>
       <p:ext uri="{BB962C8B-B14F-4D97-AF65-F5344CB8AC3E}">
         <p14:creationId xmlns:p14="http://schemas.microsoft.com/office/powerpoint/2010/main" val="426693837"/>
+      </p:ext>
+    </p:extLst>
+  </p:cSld>
+  <p:clrMapOvr>
+    <a:masterClrMapping/>
+  </p:clrMapOvr>
+  <p:timing>
+    <p:tnLst>
+      <p:par>
+        <p:cTn xmlns:p14="http://schemas.microsoft.com/office/powerpoint/2010/main" id="1" dur="indefinite" restart="never" nodeType="tmRoot"/>
+      </p:par>
+    </p:tnLst>
+  </p:timing>
+</p:sld>
+</file>
+
+<file path=ppt/slides/slide8.xml><?xml version="1.0" encoding="utf-8"?>
+<p:sld xmlns:a="http://schemas.openxmlformats.org/drawingml/2006/main" xmlns:r="http://schemas.openxmlformats.org/officeDocument/2006/relationships" xmlns:p="http://schemas.openxmlformats.org/presentationml/2006/main">
+  <p:cSld>
+    <p:spTree>
+      <p:nvGrpSpPr>
+        <p:cNvPr id="1" name=""/>
+        <p:cNvGrpSpPr/>
+        <p:nvPr/>
+      </p:nvGrpSpPr>
+      <p:grpSpPr>
+        <a:xfrm>
+          <a:off x="0" y="0"/>
+          <a:ext cx="0" cy="0"/>
+          <a:chOff x="0" y="0"/>
+          <a:chExt cx="0" cy="0"/>
+        </a:xfrm>
+      </p:grpSpPr>
+      <p:sp>
+        <p:nvSpPr>
+          <p:cNvPr id="2" name="Title 1"/>
+          <p:cNvSpPr>
+            <a:spLocks noGrp="1"/>
+          </p:cNvSpPr>
+          <p:nvPr>
+            <p:ph type="title"/>
+          </p:nvPr>
+        </p:nvSpPr>
+        <p:spPr>
+          <a:xfrm>
+            <a:off x="838200" y="137332"/>
+            <a:ext cx="10515600" cy="1325563"/>
+          </a:xfrm>
+        </p:spPr>
+        <p:txBody>
+          <a:bodyPr/>
+          <a:lstStyle/>
+          <a:p>
+            <a:r>
+              <a:rPr lang="en-US" dirty="0" smtClean="0"/>
+              <a:t>E.R. Diagram</a:t>
+            </a:r>
+            <a:endParaRPr lang="en-US" dirty="0"/>
+          </a:p>
+        </p:txBody>
+      </p:sp>
+      <p:pic>
+        <p:nvPicPr>
+          <p:cNvPr id="5" name="Picture 4" descr="er1.png"/>
+          <p:cNvPicPr>
+            <a:picLocks noChangeAspect="1"/>
+          </p:cNvPicPr>
+          <p:nvPr/>
+        </p:nvPicPr>
+        <p:blipFill>
+          <a:blip r:embed="rId2">
+            <a:extLst>
+              <a:ext uri="{28A0092B-C50C-407E-A947-70E740481C1C}">
+                <a14:useLocalDpi xmlns:a14="http://schemas.microsoft.com/office/drawing/2010/main" val="0"/>
+              </a:ext>
+            </a:extLst>
+          </a:blip>
+          <a:stretch>
+            <a:fillRect/>
+          </a:stretch>
+        </p:blipFill>
+        <p:spPr>
+          <a:xfrm>
+            <a:off x="2387680" y="1441983"/>
+            <a:ext cx="7377515" cy="4832358"/>
+          </a:xfrm>
+          <a:prstGeom prst="rect">
+            <a:avLst/>
+          </a:prstGeom>
+        </p:spPr>
+      </p:pic>
+    </p:spTree>
+    <p:extLst>
+      <p:ext uri="{BB962C8B-B14F-4D97-AF65-F5344CB8AC3E}">
+        <p14:creationId xmlns:p14="http://schemas.microsoft.com/office/powerpoint/2010/main" val="770180910"/>
+      </p:ext>
+    </p:extLst>
+  </p:cSld>
+  <p:clrMapOvr>
+    <a:masterClrMapping/>
+  </p:clrMapOvr>
+  <p:timing>
+    <p:tnLst>
+      <p:par>
+        <p:cTn xmlns:p14="http://schemas.microsoft.com/office/powerpoint/2010/main" id="1" dur="indefinite" restart="never" nodeType="tmRoot"/>
+      </p:par>
+    </p:tnLst>
+  </p:timing>
+</p:sld>
+</file>
+
+<file path=ppt/slides/slide9.xml><?xml version="1.0" encoding="utf-8"?>
+<p:sld xmlns:a="http://schemas.openxmlformats.org/drawingml/2006/main" xmlns:r="http://schemas.openxmlformats.org/officeDocument/2006/relationships" xmlns:p="http://schemas.openxmlformats.org/presentationml/2006/main">
+  <p:cSld>
+    <p:spTree>
+      <p:nvGrpSpPr>
+        <p:cNvPr id="1" name=""/>
+        <p:cNvGrpSpPr/>
+        <p:nvPr/>
+      </p:nvGrpSpPr>
+      <p:grpSpPr>
+        <a:xfrm>
+          <a:off x="0" y="0"/>
+          <a:ext cx="0" cy="0"/>
+          <a:chOff x="0" y="0"/>
+          <a:chExt cx="0" cy="0"/>
+        </a:xfrm>
+      </p:grpSpPr>
+      <p:sp>
+        <p:nvSpPr>
+          <p:cNvPr id="2" name="Title 1"/>
+          <p:cNvSpPr>
+            <a:spLocks noGrp="1"/>
+          </p:cNvSpPr>
+          <p:nvPr>
+            <p:ph type="title"/>
+          </p:nvPr>
+        </p:nvSpPr>
+        <p:spPr/>
+        <p:txBody>
+          <a:bodyPr/>
+          <a:lstStyle/>
+          <a:p>
+            <a:r>
+              <a:rPr lang="en-US" dirty="0" smtClean="0"/>
+              <a:t>Attributes</a:t>
+            </a:r>
+            <a:endParaRPr lang="en-US" dirty="0"/>
+          </a:p>
+        </p:txBody>
+      </p:sp>
+      <p:graphicFrame>
+        <p:nvGraphicFramePr>
+          <p:cNvPr id="5" name="Table 4"/>
+          <p:cNvGraphicFramePr>
+            <a:graphicFrameLocks noGrp="1"/>
+          </p:cNvGraphicFramePr>
+          <p:nvPr>
+            <p:extLst>
+              <p:ext uri="{D42A27DB-BD31-4B8C-83A1-F6EECF244321}">
+                <p14:modId xmlns:p14="http://schemas.microsoft.com/office/powerpoint/2010/main" val="279443653"/>
+              </p:ext>
+            </p:extLst>
+          </p:nvPr>
+        </p:nvGraphicFramePr>
+        <p:xfrm>
+          <a:off x="2435411" y="2724573"/>
+          <a:ext cx="3242236" cy="1854200"/>
+        </p:xfrm>
+        <a:graphic>
+          <a:graphicData uri="http://schemas.openxmlformats.org/drawingml/2006/table">
+            <a:tbl>
+              <a:tblPr firstRow="1" bandRow="1">
+                <a:tableStyleId>{F5AB1C69-6EDB-4FF4-983F-18BD219EF322}</a:tableStyleId>
+              </a:tblPr>
+              <a:tblGrid>
+                <a:gridCol w="2060388"/>
+                <a:gridCol w="1181848"/>
+              </a:tblGrid>
+              <a:tr h="370840">
+                <a:tc>
+                  <a:txBody>
+                    <a:bodyPr/>
+                    <a:lstStyle/>
+                    <a:p>
+                      <a:r>
+                        <a:rPr lang="en-US" dirty="0" smtClean="0"/>
+                        <a:t>Field</a:t>
+                      </a:r>
+                      <a:endParaRPr lang="en-US" dirty="0"/>
+                    </a:p>
+                  </a:txBody>
+                  <a:tcPr/>
+                </a:tc>
+                <a:tc>
+                  <a:txBody>
+                    <a:bodyPr/>
+                    <a:lstStyle/>
+                    <a:p>
+                      <a:r>
+                        <a:rPr lang="en-US" dirty="0" smtClean="0"/>
+                        <a:t>Type</a:t>
+                      </a:r>
+                      <a:endParaRPr lang="en-US" dirty="0"/>
+                    </a:p>
+                  </a:txBody>
+                  <a:tcPr/>
+                </a:tc>
+              </a:tr>
+              <a:tr h="370840">
+                <a:tc>
+                  <a:txBody>
+                    <a:bodyPr/>
+                    <a:lstStyle/>
+                    <a:p>
+                      <a:r>
+                        <a:rPr lang="en-US" dirty="0" err="1" smtClean="0"/>
+                        <a:t>user_id</a:t>
+                      </a:r>
+                      <a:endParaRPr lang="en-US" dirty="0"/>
+                    </a:p>
+                  </a:txBody>
+                  <a:tcPr/>
+                </a:tc>
+                <a:tc>
+                  <a:txBody>
+                    <a:bodyPr/>
+                    <a:lstStyle/>
+                    <a:p>
+                      <a:r>
+                        <a:rPr lang="en-US" dirty="0" err="1" smtClean="0"/>
+                        <a:t>Int</a:t>
+                      </a:r>
+                      <a:endParaRPr lang="en-US" dirty="0"/>
+                    </a:p>
+                  </a:txBody>
+                  <a:tcPr/>
+                </a:tc>
+              </a:tr>
+              <a:tr h="370840">
+                <a:tc>
+                  <a:txBody>
+                    <a:bodyPr/>
+                    <a:lstStyle/>
+                    <a:p>
+                      <a:r>
+                        <a:rPr lang="en-US" dirty="0" smtClean="0"/>
+                        <a:t>source</a:t>
+                      </a:r>
+                      <a:endParaRPr lang="en-US" dirty="0"/>
+                    </a:p>
+                  </a:txBody>
+                  <a:tcPr/>
+                </a:tc>
+                <a:tc>
+                  <a:txBody>
+                    <a:bodyPr/>
+                    <a:lstStyle/>
+                    <a:p>
+                      <a:r>
+                        <a:rPr lang="en-US" dirty="0" err="1" smtClean="0"/>
+                        <a:t>int</a:t>
+                      </a:r>
+                      <a:endParaRPr lang="en-US" dirty="0"/>
+                    </a:p>
+                  </a:txBody>
+                  <a:tcPr/>
+                </a:tc>
+              </a:tr>
+              <a:tr h="370840">
+                <a:tc>
+                  <a:txBody>
+                    <a:bodyPr/>
+                    <a:lstStyle/>
+                    <a:p>
+                      <a:r>
+                        <a:rPr lang="en-US" dirty="0" smtClean="0"/>
+                        <a:t>destination</a:t>
+                      </a:r>
+                      <a:endParaRPr lang="en-US" dirty="0"/>
+                    </a:p>
+                  </a:txBody>
+                  <a:tcPr/>
+                </a:tc>
+                <a:tc>
+                  <a:txBody>
+                    <a:bodyPr/>
+                    <a:lstStyle/>
+                    <a:p>
+                      <a:r>
+                        <a:rPr lang="en-US" dirty="0" err="1" smtClean="0"/>
+                        <a:t>int</a:t>
+                      </a:r>
+                      <a:endParaRPr lang="en-US" dirty="0"/>
+                    </a:p>
+                  </a:txBody>
+                  <a:tcPr/>
+                </a:tc>
+              </a:tr>
+              <a:tr h="370840">
+                <a:tc>
+                  <a:txBody>
+                    <a:bodyPr/>
+                    <a:lstStyle/>
+                    <a:p>
+                      <a:r>
+                        <a:rPr lang="en-US" dirty="0" err="1" smtClean="0"/>
+                        <a:t>number_of_links</a:t>
+                      </a:r>
+                      <a:endParaRPr lang="en-US" dirty="0"/>
+                    </a:p>
+                  </a:txBody>
+                  <a:tcPr/>
+                </a:tc>
+                <a:tc>
+                  <a:txBody>
+                    <a:bodyPr/>
+                    <a:lstStyle/>
+                    <a:p>
+                      <a:r>
+                        <a:rPr lang="en-US" dirty="0" err="1" smtClean="0"/>
+                        <a:t>int</a:t>
+                      </a:r>
+                      <a:endParaRPr lang="en-US" dirty="0"/>
+                    </a:p>
+                  </a:txBody>
+                  <a:tcPr/>
+                </a:tc>
+              </a:tr>
+            </a:tbl>
+          </a:graphicData>
+        </a:graphic>
+      </p:graphicFrame>
+      <p:graphicFrame>
+        <p:nvGraphicFramePr>
+          <p:cNvPr id="8" name="Table 7"/>
+          <p:cNvGraphicFramePr>
+            <a:graphicFrameLocks noGrp="1"/>
+          </p:cNvGraphicFramePr>
+          <p:nvPr>
+            <p:extLst>
+              <p:ext uri="{D42A27DB-BD31-4B8C-83A1-F6EECF244321}">
+                <p14:modId xmlns:p14="http://schemas.microsoft.com/office/powerpoint/2010/main" val="2835985967"/>
+              </p:ext>
+            </p:extLst>
+          </p:nvPr>
+        </p:nvGraphicFramePr>
+        <p:xfrm>
+          <a:off x="6450365" y="2724573"/>
+          <a:ext cx="2315882" cy="1107440"/>
+        </p:xfrm>
+        <a:graphic>
+          <a:graphicData uri="http://schemas.openxmlformats.org/drawingml/2006/table">
+            <a:tbl>
+              <a:tblPr firstRow="1" bandRow="1">
+                <a:tableStyleId>{F5AB1C69-6EDB-4FF4-983F-18BD219EF322}</a:tableStyleId>
+              </a:tblPr>
+              <a:tblGrid>
+                <a:gridCol w="1374588"/>
+                <a:gridCol w="941294"/>
+              </a:tblGrid>
+              <a:tr h="340857">
+                <a:tc>
+                  <a:txBody>
+                    <a:bodyPr/>
+                    <a:lstStyle/>
+                    <a:p>
+                      <a:r>
+                        <a:rPr lang="en-US" dirty="0" smtClean="0"/>
+                        <a:t>Field</a:t>
+                      </a:r>
+                      <a:endParaRPr lang="en-US" dirty="0"/>
+                    </a:p>
+                  </a:txBody>
+                  <a:tcPr/>
+                </a:tc>
+                <a:tc>
+                  <a:txBody>
+                    <a:bodyPr/>
+                    <a:lstStyle/>
+                    <a:p>
+                      <a:r>
+                        <a:rPr lang="en-US" dirty="0" smtClean="0"/>
+                        <a:t>Type</a:t>
+                      </a:r>
+                      <a:endParaRPr lang="en-US" dirty="0"/>
+                    </a:p>
+                  </a:txBody>
+                  <a:tcPr/>
+                </a:tc>
+              </a:tr>
+              <a:tr h="370840">
+                <a:tc>
+                  <a:txBody>
+                    <a:bodyPr/>
+                    <a:lstStyle/>
+                    <a:p>
+                      <a:r>
+                        <a:rPr lang="en-US" dirty="0" smtClean="0"/>
+                        <a:t>username</a:t>
+                      </a:r>
+                      <a:endParaRPr lang="en-US" dirty="0"/>
+                    </a:p>
+                  </a:txBody>
+                  <a:tcPr/>
+                </a:tc>
+                <a:tc>
+                  <a:txBody>
+                    <a:bodyPr/>
+                    <a:lstStyle/>
+                    <a:p>
+                      <a:r>
+                        <a:rPr lang="en-US" dirty="0" smtClean="0"/>
+                        <a:t>char</a:t>
+                      </a:r>
+                      <a:endParaRPr lang="en-US" dirty="0"/>
+                    </a:p>
+                  </a:txBody>
+                  <a:tcPr/>
+                </a:tc>
+              </a:tr>
+              <a:tr h="370840">
+                <a:tc>
+                  <a:txBody>
+                    <a:bodyPr/>
+                    <a:lstStyle/>
+                    <a:p>
+                      <a:r>
+                        <a:rPr lang="en-US" dirty="0" smtClean="0"/>
+                        <a:t>password</a:t>
+                      </a:r>
+                      <a:endParaRPr lang="en-US" dirty="0"/>
+                    </a:p>
+                  </a:txBody>
+                  <a:tcPr/>
+                </a:tc>
+                <a:tc>
+                  <a:txBody>
+                    <a:bodyPr/>
+                    <a:lstStyle/>
+                    <a:p>
+                      <a:r>
+                        <a:rPr lang="en-US" dirty="0" smtClean="0"/>
+                        <a:t>char</a:t>
+                      </a:r>
+                      <a:endParaRPr lang="en-US" dirty="0"/>
+                    </a:p>
+                  </a:txBody>
+                  <a:tcPr/>
+                </a:tc>
+              </a:tr>
+            </a:tbl>
+          </a:graphicData>
+        </a:graphic>
+      </p:graphicFrame>
+      <p:sp>
+        <p:nvSpPr>
+          <p:cNvPr id="9" name="TextBox 8"/>
+          <p:cNvSpPr txBox="1"/>
+          <p:nvPr/>
+        </p:nvSpPr>
+        <p:spPr>
+          <a:xfrm>
+            <a:off x="2435411" y="2197176"/>
+            <a:ext cx="2765612" cy="461665"/>
+          </a:xfrm>
+          <a:prstGeom prst="rect">
+            <a:avLst/>
+          </a:prstGeom>
+          <a:noFill/>
+        </p:spPr>
+        <p:txBody>
+          <a:bodyPr wrap="square" rtlCol="0">
+            <a:spAutoFit/>
+          </a:bodyPr>
+          <a:lstStyle/>
+          <a:p>
+            <a:r>
+              <a:rPr lang="en-US" sz="2400" b="1" dirty="0" smtClean="0"/>
+              <a:t>Game</a:t>
+            </a:r>
+            <a:endParaRPr lang="en-US" sz="2400" b="1" dirty="0"/>
+          </a:p>
+        </p:txBody>
+      </p:sp>
+      <p:sp>
+        <p:nvSpPr>
+          <p:cNvPr id="10" name="TextBox 9"/>
+          <p:cNvSpPr txBox="1"/>
+          <p:nvPr/>
+        </p:nvSpPr>
+        <p:spPr>
+          <a:xfrm>
+            <a:off x="6450365" y="2197176"/>
+            <a:ext cx="772718" cy="461665"/>
+          </a:xfrm>
+          <a:prstGeom prst="rect">
+            <a:avLst/>
+          </a:prstGeom>
+          <a:noFill/>
+        </p:spPr>
+        <p:txBody>
+          <a:bodyPr wrap="none" rtlCol="0">
+            <a:spAutoFit/>
+          </a:bodyPr>
+          <a:lstStyle/>
+          <a:p>
+            <a:r>
+              <a:rPr lang="en-US" sz="2400" b="1" dirty="0" smtClean="0"/>
+              <a:t>User</a:t>
+            </a:r>
+            <a:endParaRPr lang="en-US" sz="2400" b="1" dirty="0"/>
+          </a:p>
+        </p:txBody>
+      </p:sp>
+      <p:sp>
+        <p:nvSpPr>
+          <p:cNvPr id="11" name="TextBox 10"/>
+          <p:cNvSpPr txBox="1"/>
+          <p:nvPr/>
+        </p:nvSpPr>
+        <p:spPr>
+          <a:xfrm>
+            <a:off x="1225176" y="5483412"/>
+            <a:ext cx="5982678" cy="461665"/>
+          </a:xfrm>
+          <a:prstGeom prst="rect">
+            <a:avLst/>
+          </a:prstGeom>
+          <a:noFill/>
+        </p:spPr>
+        <p:txBody>
+          <a:bodyPr wrap="none" rtlCol="0">
+            <a:spAutoFit/>
+          </a:bodyPr>
+          <a:lstStyle/>
+          <a:p>
+            <a:r>
+              <a:rPr lang="en-US" sz="2400" dirty="0" smtClean="0"/>
+              <a:t>The articles will be cached in a graph database</a:t>
+            </a:r>
+            <a:endParaRPr lang="en-US" sz="2400" dirty="0"/>
+          </a:p>
+        </p:txBody>
+      </p:sp>
+    </p:spTree>
+    <p:extLst>
+      <p:ext uri="{BB962C8B-B14F-4D97-AF65-F5344CB8AC3E}">
+        <p14:creationId xmlns:p14="http://schemas.microsoft.com/office/powerpoint/2010/main" val="4160938955"/>
       </p:ext>
     </p:extLst>
   </p:cSld>
@@ -3698,7 +4486,7 @@
     </a:clrScheme>
     <a:fontScheme name="Office">
       <a:majorFont>
-        <a:latin typeface="Calibri Light" panose="020F0302020204030204"/>
+        <a:latin typeface="Calibri Light"/>
         <a:ea typeface=""/>
         <a:cs typeface=""/>
         <a:font script="Jpan" typeface="Yu Gothic Light"/>
@@ -3733,7 +4521,7 @@
         <a:font script="Geor" typeface="Sylfaen"/>
       </a:majorFont>
       <a:minorFont>
-        <a:latin typeface="Calibri" panose="020F0502020204030204"/>
+        <a:latin typeface="Calibri"/>
         <a:ea typeface=""/>
         <a:cs typeface=""/>
         <a:font script="Jpan" typeface="Yu Gothic"/>
@@ -3910,7 +4698,7 @@
   <a:extraClrSchemeLst/>
   <a:extLst>
     <a:ext uri="{05A4C25C-085E-4340-85A3-A5531E510DB2}">
-      <thm15:themeFamily xmlns:thm15="http://schemas.microsoft.com/office/thememl/2012/main" name="Office Theme" id="{62F939B6-93AF-4DB8-9C6B-D6C7DFDC589F}" vid="{4A3C46E8-61CC-4603-A589-7422A47A8E4A}"/>
+      <thm15:themeFamily xmlns:thm15="http://schemas.microsoft.com/office/thememl/2012/main" xmlns="" name="Office Theme" id="{62F939B6-93AF-4DB8-9C6B-D6C7DFDC589F}" vid="{4A3C46E8-61CC-4603-A589-7422A47A8E4A}"/>
     </a:ext>
   </a:extLst>
 </a:theme>
